--- a/figures/stable_bot_overview.pptx
+++ b/figures/stable_bot_overview.pptx
@@ -379,7 +379,7 @@
           <a:p>
             <a:fld id="{0C1A3CDD-DFAE-CC43-8C26-DEC1B5C5DEF1}" type="datetimeFigureOut">
               <a:rPr lang="en-US" smtClean="0"/>
-              <a:t>8/10/22</a:t>
+              <a:t>10/30/22</a:t>
             </a:fld>
             <a:endParaRPr lang="en-US"/>
           </a:p>
@@ -549,7 +549,7 @@
           <a:p>
             <a:fld id="{0C1A3CDD-DFAE-CC43-8C26-DEC1B5C5DEF1}" type="datetimeFigureOut">
               <a:rPr lang="en-US" smtClean="0"/>
-              <a:t>8/10/22</a:t>
+              <a:t>10/30/22</a:t>
             </a:fld>
             <a:endParaRPr lang="en-US"/>
           </a:p>
@@ -729,7 +729,7 @@
           <a:p>
             <a:fld id="{0C1A3CDD-DFAE-CC43-8C26-DEC1B5C5DEF1}" type="datetimeFigureOut">
               <a:rPr lang="en-US" smtClean="0"/>
-              <a:t>8/10/22</a:t>
+              <a:t>10/30/22</a:t>
             </a:fld>
             <a:endParaRPr lang="en-US"/>
           </a:p>
@@ -899,7 +899,7 @@
           <a:p>
             <a:fld id="{0C1A3CDD-DFAE-CC43-8C26-DEC1B5C5DEF1}" type="datetimeFigureOut">
               <a:rPr lang="en-US" smtClean="0"/>
-              <a:t>8/10/22</a:t>
+              <a:t>10/30/22</a:t>
             </a:fld>
             <a:endParaRPr lang="en-US"/>
           </a:p>
@@ -1145,7 +1145,7 @@
           <a:p>
             <a:fld id="{0C1A3CDD-DFAE-CC43-8C26-DEC1B5C5DEF1}" type="datetimeFigureOut">
               <a:rPr lang="en-US" smtClean="0"/>
-              <a:t>8/10/22</a:t>
+              <a:t>10/30/22</a:t>
             </a:fld>
             <a:endParaRPr lang="en-US"/>
           </a:p>
@@ -1377,7 +1377,7 @@
           <a:p>
             <a:fld id="{0C1A3CDD-DFAE-CC43-8C26-DEC1B5C5DEF1}" type="datetimeFigureOut">
               <a:rPr lang="en-US" smtClean="0"/>
-              <a:t>8/10/22</a:t>
+              <a:t>10/30/22</a:t>
             </a:fld>
             <a:endParaRPr lang="en-US"/>
           </a:p>
@@ -1744,7 +1744,7 @@
           <a:p>
             <a:fld id="{0C1A3CDD-DFAE-CC43-8C26-DEC1B5C5DEF1}" type="datetimeFigureOut">
               <a:rPr lang="en-US" smtClean="0"/>
-              <a:t>8/10/22</a:t>
+              <a:t>10/30/22</a:t>
             </a:fld>
             <a:endParaRPr lang="en-US"/>
           </a:p>
@@ -1862,7 +1862,7 @@
           <a:p>
             <a:fld id="{0C1A3CDD-DFAE-CC43-8C26-DEC1B5C5DEF1}" type="datetimeFigureOut">
               <a:rPr lang="en-US" smtClean="0"/>
-              <a:t>8/10/22</a:t>
+              <a:t>10/30/22</a:t>
             </a:fld>
             <a:endParaRPr lang="en-US"/>
           </a:p>
@@ -1957,7 +1957,7 @@
           <a:p>
             <a:fld id="{0C1A3CDD-DFAE-CC43-8C26-DEC1B5C5DEF1}" type="datetimeFigureOut">
               <a:rPr lang="en-US" smtClean="0"/>
-              <a:t>8/10/22</a:t>
+              <a:t>10/30/22</a:t>
             </a:fld>
             <a:endParaRPr lang="en-US"/>
           </a:p>
@@ -2234,7 +2234,7 @@
           <a:p>
             <a:fld id="{0C1A3CDD-DFAE-CC43-8C26-DEC1B5C5DEF1}" type="datetimeFigureOut">
               <a:rPr lang="en-US" smtClean="0"/>
-              <a:t>8/10/22</a:t>
+              <a:t>10/30/22</a:t>
             </a:fld>
             <a:endParaRPr lang="en-US"/>
           </a:p>
@@ -2491,7 +2491,7 @@
           <a:p>
             <a:fld id="{0C1A3CDD-DFAE-CC43-8C26-DEC1B5C5DEF1}" type="datetimeFigureOut">
               <a:rPr lang="en-US" smtClean="0"/>
-              <a:t>8/10/22</a:t>
+              <a:t>10/30/22</a:t>
             </a:fld>
             <a:endParaRPr lang="en-US"/>
           </a:p>
@@ -2704,7 +2704,7 @@
           <a:p>
             <a:fld id="{0C1A3CDD-DFAE-CC43-8C26-DEC1B5C5DEF1}" type="datetimeFigureOut">
               <a:rPr lang="en-US" smtClean="0"/>
-              <a:t>8/10/22</a:t>
+              <a:t>10/30/22</a:t>
             </a:fld>
             <a:endParaRPr lang="en-US"/>
           </a:p>
@@ -3843,8 +3843,8 @@
           </a:p>
         </p:txBody>
       </p:sp>
-      <mc:AlternateContent xmlns:mc="http://schemas.openxmlformats.org/markup-compatibility/2006">
-        <mc:Choice xmlns:a14="http://schemas.microsoft.com/office/drawing/2010/main" Requires="a14">
+      <mc:AlternateContent xmlns:mc="http://schemas.openxmlformats.org/markup-compatibility/2006" xmlns:a14="http://schemas.microsoft.com/office/drawing/2010/main">
+        <mc:Choice Requires="a14">
           <p:sp>
             <p:nvSpPr>
               <p:cNvPr id="7" name="TextBox 6">
@@ -3906,7 +3906,7 @@
             </p:txBody>
           </p:sp>
         </mc:Choice>
-        <mc:Fallback>
+        <mc:Fallback xmlns="">
           <p:sp>
             <p:nvSpPr>
               <p:cNvPr id="7" name="TextBox 6">
@@ -3951,8 +3951,8 @@
           </p:sp>
         </mc:Fallback>
       </mc:AlternateContent>
-      <mc:AlternateContent xmlns:mc="http://schemas.openxmlformats.org/markup-compatibility/2006">
-        <mc:Choice xmlns:a14="http://schemas.microsoft.com/office/drawing/2010/main" Requires="a14">
+      <mc:AlternateContent xmlns:mc="http://schemas.openxmlformats.org/markup-compatibility/2006" xmlns:a14="http://schemas.microsoft.com/office/drawing/2010/main">
+        <mc:Choice Requires="a14">
           <p:sp>
             <p:nvSpPr>
               <p:cNvPr id="8" name="TextBox 7">
@@ -4020,7 +4020,7 @@
             </p:txBody>
           </p:sp>
         </mc:Choice>
-        <mc:Fallback>
+        <mc:Fallback xmlns="">
           <p:sp>
             <p:nvSpPr>
               <p:cNvPr id="8" name="TextBox 7">
@@ -8464,7 +8464,7 @@
         <p:spPr>
           <a:xfrm>
             <a:off x="113732" y="-72891"/>
-            <a:ext cx="3632726" cy="523220"/>
+            <a:ext cx="3937296" cy="523220"/>
           </a:xfrm>
           <a:prstGeom prst="rect">
             <a:avLst/>
@@ -8481,7 +8481,7 @@
               <a:rPr lang="en-US" sz="2800" b="1" dirty="0">
                 <a:latin typeface="Avenir Book" panose="02000503020000020003" pitchFamily="2" charset="0"/>
               </a:rPr>
-              <a:t>Experiment Overview</a:t>
+              <a:t>Experiment 1 Overview</a:t>
             </a:r>
           </a:p>
         </p:txBody>

--- a/figures/stable_bot_overview.pptx
+++ b/figures/stable_bot_overview.pptx
@@ -379,7 +379,7 @@
           <a:p>
             <a:fld id="{0C1A3CDD-DFAE-CC43-8C26-DEC1B5C5DEF1}" type="datetimeFigureOut">
               <a:rPr lang="en-US" smtClean="0"/>
-              <a:t>10/30/22</a:t>
+              <a:t>4/23/23</a:t>
             </a:fld>
             <a:endParaRPr lang="en-US"/>
           </a:p>
@@ -549,7 +549,7 @@
           <a:p>
             <a:fld id="{0C1A3CDD-DFAE-CC43-8C26-DEC1B5C5DEF1}" type="datetimeFigureOut">
               <a:rPr lang="en-US" smtClean="0"/>
-              <a:t>10/30/22</a:t>
+              <a:t>4/23/23</a:t>
             </a:fld>
             <a:endParaRPr lang="en-US"/>
           </a:p>
@@ -729,7 +729,7 @@
           <a:p>
             <a:fld id="{0C1A3CDD-DFAE-CC43-8C26-DEC1B5C5DEF1}" type="datetimeFigureOut">
               <a:rPr lang="en-US" smtClean="0"/>
-              <a:t>10/30/22</a:t>
+              <a:t>4/23/23</a:t>
             </a:fld>
             <a:endParaRPr lang="en-US"/>
           </a:p>
@@ -899,7 +899,7 @@
           <a:p>
             <a:fld id="{0C1A3CDD-DFAE-CC43-8C26-DEC1B5C5DEF1}" type="datetimeFigureOut">
               <a:rPr lang="en-US" smtClean="0"/>
-              <a:t>10/30/22</a:t>
+              <a:t>4/23/23</a:t>
             </a:fld>
             <a:endParaRPr lang="en-US"/>
           </a:p>
@@ -1145,7 +1145,7 @@
           <a:p>
             <a:fld id="{0C1A3CDD-DFAE-CC43-8C26-DEC1B5C5DEF1}" type="datetimeFigureOut">
               <a:rPr lang="en-US" smtClean="0"/>
-              <a:t>10/30/22</a:t>
+              <a:t>4/23/23</a:t>
             </a:fld>
             <a:endParaRPr lang="en-US"/>
           </a:p>
@@ -1377,7 +1377,7 @@
           <a:p>
             <a:fld id="{0C1A3CDD-DFAE-CC43-8C26-DEC1B5C5DEF1}" type="datetimeFigureOut">
               <a:rPr lang="en-US" smtClean="0"/>
-              <a:t>10/30/22</a:t>
+              <a:t>4/23/23</a:t>
             </a:fld>
             <a:endParaRPr lang="en-US"/>
           </a:p>
@@ -1744,7 +1744,7 @@
           <a:p>
             <a:fld id="{0C1A3CDD-DFAE-CC43-8C26-DEC1B5C5DEF1}" type="datetimeFigureOut">
               <a:rPr lang="en-US" smtClean="0"/>
-              <a:t>10/30/22</a:t>
+              <a:t>4/23/23</a:t>
             </a:fld>
             <a:endParaRPr lang="en-US"/>
           </a:p>
@@ -1862,7 +1862,7 @@
           <a:p>
             <a:fld id="{0C1A3CDD-DFAE-CC43-8C26-DEC1B5C5DEF1}" type="datetimeFigureOut">
               <a:rPr lang="en-US" smtClean="0"/>
-              <a:t>10/30/22</a:t>
+              <a:t>4/23/23</a:t>
             </a:fld>
             <a:endParaRPr lang="en-US"/>
           </a:p>
@@ -1957,7 +1957,7 @@
           <a:p>
             <a:fld id="{0C1A3CDD-DFAE-CC43-8C26-DEC1B5C5DEF1}" type="datetimeFigureOut">
               <a:rPr lang="en-US" smtClean="0"/>
-              <a:t>10/30/22</a:t>
+              <a:t>4/23/23</a:t>
             </a:fld>
             <a:endParaRPr lang="en-US"/>
           </a:p>
@@ -2234,7 +2234,7 @@
           <a:p>
             <a:fld id="{0C1A3CDD-DFAE-CC43-8C26-DEC1B5C5DEF1}" type="datetimeFigureOut">
               <a:rPr lang="en-US" smtClean="0"/>
-              <a:t>10/30/22</a:t>
+              <a:t>4/23/23</a:t>
             </a:fld>
             <a:endParaRPr lang="en-US"/>
           </a:p>
@@ -2491,7 +2491,7 @@
           <a:p>
             <a:fld id="{0C1A3CDD-DFAE-CC43-8C26-DEC1B5C5DEF1}" type="datetimeFigureOut">
               <a:rPr lang="en-US" smtClean="0"/>
-              <a:t>10/30/22</a:t>
+              <a:t>4/23/23</a:t>
             </a:fld>
             <a:endParaRPr lang="en-US"/>
           </a:p>
@@ -2704,7 +2704,7 @@
           <a:p>
             <a:fld id="{0C1A3CDD-DFAE-CC43-8C26-DEC1B5C5DEF1}" type="datetimeFigureOut">
               <a:rPr lang="en-US" smtClean="0"/>
-              <a:t>10/30/22</a:t>
+              <a:t>4/23/23</a:t>
             </a:fld>
             <a:endParaRPr lang="en-US"/>
           </a:p>
@@ -4646,7 +4646,7 @@
                 </a:solidFill>
                 <a:latin typeface="Avenir Book" panose="02000503020000020003" pitchFamily="2" charset="0"/>
               </a:rPr>
-              <a:t>5. Win-positive-lose-negative</a:t>
+              <a:t>5. Win-positive lose-negative</a:t>
             </a:r>
           </a:p>
           <a:p>
@@ -4657,7 +4657,7 @@
                 </a:solidFill>
                 <a:latin typeface="Avenir Book" panose="02000503020000020003" pitchFamily="2" charset="0"/>
               </a:rPr>
-              <a:t>6. Win-stay-lose-positive</a:t>
+              <a:t>6. Win-stay lose-positive</a:t>
             </a:r>
           </a:p>
           <a:p>

--- a/figures/stable_bot_overview.pptx
+++ b/figures/stable_bot_overview.pptx
@@ -142,7 +142,7 @@
             <a:srgbClr val="A4A3A4"/>
           </p15:clr>
         </p15:guide>
-        <p15:guide id="8" orient="horz" pos="2016" userDrawn="1">
+        <p15:guide id="8" orient="horz" pos="672" userDrawn="1">
           <p15:clr>
             <a:srgbClr val="A4A3A4"/>
           </p15:clr>
@@ -152,12 +152,12 @@
             <a:srgbClr val="A4A3A4"/>
           </p15:clr>
         </p15:guide>
-        <p15:guide id="10" pos="5104" userDrawn="1">
+        <p15:guide id="10" pos="5232" userDrawn="1">
           <p15:clr>
             <a:srgbClr val="A4A3A4"/>
           </p15:clr>
         </p15:guide>
-        <p15:guide id="11" pos="5393" userDrawn="1">
+        <p15:guide id="11" pos="5376" userDrawn="1">
           <p15:clr>
             <a:srgbClr val="A4A3A4"/>
           </p15:clr>
@@ -202,7 +202,7 @@
             <a:srgbClr val="A4A3A4"/>
           </p15:clr>
         </p15:guide>
-        <p15:guide id="20" orient="horz" pos="3168" userDrawn="1">
+        <p15:guide id="20" orient="horz" pos="3144" userDrawn="1">
           <p15:clr>
             <a:srgbClr val="A4A3A4"/>
           </p15:clr>
@@ -212,12 +212,12 @@
             <a:srgbClr val="A4A3A4"/>
           </p15:clr>
         </p15:guide>
-        <p15:guide id="22" pos="5640" userDrawn="1">
+        <p15:guide id="22" pos="5688" userDrawn="1">
           <p15:clr>
             <a:srgbClr val="A4A3A4"/>
           </p15:clr>
         </p15:guide>
-        <p15:guide id="23" pos="5952" userDrawn="1">
+        <p15:guide id="23" pos="6000" userDrawn="1">
           <p15:clr>
             <a:srgbClr val="A4A3A4"/>
           </p15:clr>
@@ -232,12 +232,52 @@
             <a:srgbClr val="A4A3A4"/>
           </p15:clr>
         </p15:guide>
-        <p15:guide id="26" orient="horz" pos="1704" userDrawn="1">
+        <p15:guide id="26" orient="horz" pos="1968" userDrawn="1">
           <p15:clr>
             <a:srgbClr val="A4A3A4"/>
           </p15:clr>
         </p15:guide>
         <p15:guide id="27" pos="1512" userDrawn="1">
+          <p15:clr>
+            <a:srgbClr val="A4A3A4"/>
+          </p15:clr>
+        </p15:guide>
+        <p15:guide id="28" pos="3912" userDrawn="1">
+          <p15:clr>
+            <a:srgbClr val="A4A3A4"/>
+          </p15:clr>
+        </p15:guide>
+        <p15:guide id="29" pos="4008" userDrawn="1">
+          <p15:clr>
+            <a:srgbClr val="A4A3A4"/>
+          </p15:clr>
+        </p15:guide>
+        <p15:guide id="30" pos="4608" userDrawn="1">
+          <p15:clr>
+            <a:srgbClr val="A4A3A4"/>
+          </p15:clr>
+        </p15:guide>
+        <p15:guide id="31" pos="4704" userDrawn="1">
+          <p15:clr>
+            <a:srgbClr val="A4A3A4"/>
+          </p15:clr>
+        </p15:guide>
+        <p15:guide id="32" pos="5328" userDrawn="1">
+          <p15:clr>
+            <a:srgbClr val="A4A3A4"/>
+          </p15:clr>
+        </p15:guide>
+        <p15:guide id="33" pos="5616" userDrawn="1">
+          <p15:clr>
+            <a:srgbClr val="A4A3A4"/>
+          </p15:clr>
+        </p15:guide>
+        <p15:guide id="34" pos="5928" userDrawn="1">
+          <p15:clr>
+            <a:srgbClr val="A4A3A4"/>
+          </p15:clr>
+        </p15:guide>
+        <p15:guide id="35" orient="horz" pos="2040" userDrawn="1">
           <p15:clr>
             <a:srgbClr val="A4A3A4"/>
           </p15:clr>
@@ -379,7 +419,7 @@
           <a:p>
             <a:fld id="{0C1A3CDD-DFAE-CC43-8C26-DEC1B5C5DEF1}" type="datetimeFigureOut">
               <a:rPr lang="en-US" smtClean="0"/>
-              <a:t>4/23/23</a:t>
+              <a:t>7/30/23</a:t>
             </a:fld>
             <a:endParaRPr lang="en-US"/>
           </a:p>
@@ -549,7 +589,7 @@
           <a:p>
             <a:fld id="{0C1A3CDD-DFAE-CC43-8C26-DEC1B5C5DEF1}" type="datetimeFigureOut">
               <a:rPr lang="en-US" smtClean="0"/>
-              <a:t>4/23/23</a:t>
+              <a:t>7/30/23</a:t>
             </a:fld>
             <a:endParaRPr lang="en-US"/>
           </a:p>
@@ -729,7 +769,7 @@
           <a:p>
             <a:fld id="{0C1A3CDD-DFAE-CC43-8C26-DEC1B5C5DEF1}" type="datetimeFigureOut">
               <a:rPr lang="en-US" smtClean="0"/>
-              <a:t>4/23/23</a:t>
+              <a:t>7/30/23</a:t>
             </a:fld>
             <a:endParaRPr lang="en-US"/>
           </a:p>
@@ -899,7 +939,7 @@
           <a:p>
             <a:fld id="{0C1A3CDD-DFAE-CC43-8C26-DEC1B5C5DEF1}" type="datetimeFigureOut">
               <a:rPr lang="en-US" smtClean="0"/>
-              <a:t>4/23/23</a:t>
+              <a:t>7/30/23</a:t>
             </a:fld>
             <a:endParaRPr lang="en-US"/>
           </a:p>
@@ -1145,7 +1185,7 @@
           <a:p>
             <a:fld id="{0C1A3CDD-DFAE-CC43-8C26-DEC1B5C5DEF1}" type="datetimeFigureOut">
               <a:rPr lang="en-US" smtClean="0"/>
-              <a:t>4/23/23</a:t>
+              <a:t>7/30/23</a:t>
             </a:fld>
             <a:endParaRPr lang="en-US"/>
           </a:p>
@@ -1377,7 +1417,7 @@
           <a:p>
             <a:fld id="{0C1A3CDD-DFAE-CC43-8C26-DEC1B5C5DEF1}" type="datetimeFigureOut">
               <a:rPr lang="en-US" smtClean="0"/>
-              <a:t>4/23/23</a:t>
+              <a:t>7/30/23</a:t>
             </a:fld>
             <a:endParaRPr lang="en-US"/>
           </a:p>
@@ -1744,7 +1784,7 @@
           <a:p>
             <a:fld id="{0C1A3CDD-DFAE-CC43-8C26-DEC1B5C5DEF1}" type="datetimeFigureOut">
               <a:rPr lang="en-US" smtClean="0"/>
-              <a:t>4/23/23</a:t>
+              <a:t>7/30/23</a:t>
             </a:fld>
             <a:endParaRPr lang="en-US"/>
           </a:p>
@@ -1862,7 +1902,7 @@
           <a:p>
             <a:fld id="{0C1A3CDD-DFAE-CC43-8C26-DEC1B5C5DEF1}" type="datetimeFigureOut">
               <a:rPr lang="en-US" smtClean="0"/>
-              <a:t>4/23/23</a:t>
+              <a:t>7/30/23</a:t>
             </a:fld>
             <a:endParaRPr lang="en-US"/>
           </a:p>
@@ -1957,7 +1997,7 @@
           <a:p>
             <a:fld id="{0C1A3CDD-DFAE-CC43-8C26-DEC1B5C5DEF1}" type="datetimeFigureOut">
               <a:rPr lang="en-US" smtClean="0"/>
-              <a:t>4/23/23</a:t>
+              <a:t>7/30/23</a:t>
             </a:fld>
             <a:endParaRPr lang="en-US"/>
           </a:p>
@@ -2234,7 +2274,7 @@
           <a:p>
             <a:fld id="{0C1A3CDD-DFAE-CC43-8C26-DEC1B5C5DEF1}" type="datetimeFigureOut">
               <a:rPr lang="en-US" smtClean="0"/>
-              <a:t>4/23/23</a:t>
+              <a:t>7/30/23</a:t>
             </a:fld>
             <a:endParaRPr lang="en-US"/>
           </a:p>
@@ -2491,7 +2531,7 @@
           <a:p>
             <a:fld id="{0C1A3CDD-DFAE-CC43-8C26-DEC1B5C5DEF1}" type="datetimeFigureOut">
               <a:rPr lang="en-US" smtClean="0"/>
-              <a:t>4/23/23</a:t>
+              <a:t>7/30/23</a:t>
             </a:fld>
             <a:endParaRPr lang="en-US"/>
           </a:p>
@@ -2704,7 +2744,7 @@
           <a:p>
             <a:fld id="{0C1A3CDD-DFAE-CC43-8C26-DEC1B5C5DEF1}" type="datetimeFigureOut">
               <a:rPr lang="en-US" smtClean="0"/>
-              <a:t>4/23/23</a:t>
+              <a:t>7/30/23</a:t>
             </a:fld>
             <a:endParaRPr lang="en-US"/>
           </a:p>
@@ -4525,7 +4565,7 @@
         <p:spPr>
           <a:xfrm>
             <a:off x="4144160" y="2835581"/>
-            <a:ext cx="4273329" cy="3570208"/>
+            <a:ext cx="4463633" cy="3570208"/>
           </a:xfrm>
           <a:prstGeom prst="rect">
             <a:avLst/>
@@ -4545,7 +4585,7 @@
               <a:rPr lang="en-US" b="1" i="1" u="sng" dirty="0">
                 <a:latin typeface="Avenir Book" panose="02000503020000020003" pitchFamily="2" charset="0"/>
               </a:rPr>
-              <a:t>Self-transition</a:t>
+              <a:t>Previous move</a:t>
             </a:r>
           </a:p>
           <a:p>
@@ -4561,7 +4601,7 @@
                 </a:solidFill>
                 <a:latin typeface="Avenir Book" panose="02000503020000020003" pitchFamily="2" charset="0"/>
               </a:rPr>
-              <a:t>1. Previous move (+)</a:t>
+              <a:t>1. Self-transition (+)</a:t>
             </a:r>
           </a:p>
           <a:p>
@@ -4572,7 +4612,7 @@
                 </a:solidFill>
                 <a:latin typeface="Avenir Book" panose="02000503020000020003" pitchFamily="2" charset="0"/>
               </a:rPr>
-              <a:t>2. Previous move (–)</a:t>
+              <a:t>2. Self-transition (–)</a:t>
             </a:r>
           </a:p>
           <a:p>
@@ -4585,7 +4625,7 @@
               <a:rPr lang="en-US" b="1" i="1" u="sng" dirty="0">
                 <a:latin typeface="Avenir Book" panose="02000503020000020003" pitchFamily="2" charset="0"/>
               </a:rPr>
-              <a:t>Opponent-transition</a:t>
+              <a:t>Opponent previous move</a:t>
             </a:r>
           </a:p>
           <a:p>
@@ -4601,7 +4641,7 @@
                 </a:solidFill>
                 <a:latin typeface="Avenir Book" panose="02000503020000020003" pitchFamily="2" charset="0"/>
               </a:rPr>
-              <a:t>3. Opponent previous move (+)</a:t>
+              <a:t>3. Opponent-transition (+)</a:t>
             </a:r>
           </a:p>
           <a:p>
@@ -4612,7 +4652,7 @@
                 </a:solidFill>
                 <a:latin typeface="Avenir Book" panose="02000503020000020003" pitchFamily="2" charset="0"/>
               </a:rPr>
-              <a:t>4. Opponent previous move (o)</a:t>
+              <a:t>4. Opponent-transition (o)</a:t>
             </a:r>
           </a:p>
           <a:p>
@@ -4630,7 +4670,7 @@
               <a:rPr lang="en-US" b="1" i="1" u="sng" dirty="0">
                 <a:latin typeface="Avenir Book" panose="02000503020000020003" pitchFamily="2" charset="0"/>
               </a:rPr>
-              <a:t>Outcome-transition</a:t>
+              <a:t>Previous outcome</a:t>
             </a:r>
           </a:p>
           <a:p>
@@ -4646,7 +4686,7 @@
                 </a:solidFill>
                 <a:latin typeface="Avenir Book" panose="02000503020000020003" pitchFamily="2" charset="0"/>
               </a:rPr>
-              <a:t>5. Win-positive lose-negative</a:t>
+              <a:t>5. Previous outcome (W0L+T–)</a:t>
             </a:r>
           </a:p>
           <a:p>
@@ -4657,7 +4697,7 @@
                 </a:solidFill>
                 <a:latin typeface="Avenir Book" panose="02000503020000020003" pitchFamily="2" charset="0"/>
               </a:rPr>
-              <a:t>6. Win-stay lose-positive</a:t>
+              <a:t>6. Previous outcome (W+L–T0)</a:t>
             </a:r>
           </a:p>
           <a:p>
@@ -4675,7 +4715,7 @@
               <a:rPr lang="en-US" b="1" i="1" u="sng" dirty="0">
                 <a:latin typeface="Avenir Book" panose="02000503020000020003" pitchFamily="2" charset="0"/>
               </a:rPr>
-              <a:t>Dual outcome-prior-transition</a:t>
+              <a:t>Previous outcome &amp; previous transition</a:t>
             </a:r>
           </a:p>
           <a:p>
@@ -7294,8 +7334,8 @@
         </p:nvCxnSpPr>
         <p:spPr>
           <a:xfrm flipV="1">
-            <a:off x="6469323" y="1218678"/>
-            <a:ext cx="1955335" cy="2073761"/>
+            <a:off x="6373067" y="1199000"/>
+            <a:ext cx="2085133" cy="2141567"/>
           </a:xfrm>
           <a:prstGeom prst="straightConnector1">
             <a:avLst/>
@@ -7338,8 +7378,8 @@
         </p:nvCxnSpPr>
         <p:spPr>
           <a:xfrm flipV="1">
-            <a:off x="7315200" y="3267387"/>
-            <a:ext cx="1575670" cy="1940132"/>
+            <a:off x="7471616" y="3238500"/>
+            <a:ext cx="1443784" cy="2257787"/>
           </a:xfrm>
           <a:prstGeom prst="straightConnector1">
             <a:avLst/>
@@ -7382,8 +7422,8 @@
         </p:nvCxnSpPr>
         <p:spPr>
           <a:xfrm flipV="1">
-            <a:off x="8383276" y="4925670"/>
-            <a:ext cx="880090" cy="1239128"/>
+            <a:off x="8455468" y="4965870"/>
+            <a:ext cx="957470" cy="1222992"/>
           </a:xfrm>
           <a:prstGeom prst="straightConnector1">
             <a:avLst/>
@@ -7454,13 +7494,13 @@
               <a:rPr lang="en-US" i="1" dirty="0">
                 <a:latin typeface="Avenir Book" panose="02000503020000020003" pitchFamily="2" charset="0"/>
               </a:rPr>
-              <a:t>bot </a:t>
+              <a:t>bot opponent</a:t>
             </a:r>
             <a:r>
               <a:rPr lang="en-US" dirty="0">
                 <a:latin typeface="Avenir Book" panose="02000503020000020003" pitchFamily="2" charset="0"/>
               </a:rPr>
-              <a:t>opponent for 300 rounds.</a:t>
+              <a:t> for 300 rounds.</a:t>
             </a:r>
           </a:p>
         </p:txBody>
@@ -7506,7 +7546,7 @@
               <a:t> Bot opponents favored a particular </a:t>
             </a:r>
             <a:r>
-              <a:rPr lang="en-US" i="1" dirty="0">
+              <a:rPr lang="en-US" b="1" i="1" dirty="0">
                 <a:latin typeface="Avenir Book" panose="02000503020000020003" pitchFamily="2" charset="0"/>
               </a:rPr>
               <a:t>transition</a:t>
@@ -7558,31 +7598,31 @@
               <a:rPr lang="en-US" dirty="0">
                 <a:latin typeface="Avenir Book" panose="02000503020000020003" pitchFamily="2" charset="0"/>
               </a:rPr>
-              <a:t> The seven bot opponents (below) chose transitions based on an increasing number of prior events: simple transition biases, transitions given the </a:t>
+              <a:t> The seven bot opponents (below) chose transitions based on an increasing number of </a:t>
             </a:r>
             <a:r>
               <a:rPr lang="en-US" i="1" dirty="0">
                 <a:latin typeface="Avenir Book" panose="02000503020000020003" pitchFamily="2" charset="0"/>
               </a:rPr>
-              <a:t>previous outcome</a:t>
+              <a:t>prior events</a:t>
             </a:r>
             <a:r>
               <a:rPr lang="en-US" dirty="0">
                 <a:latin typeface="Avenir Book" panose="02000503020000020003" pitchFamily="2" charset="0"/>
               </a:rPr>
-              <a:t>, or transitions given the previous outcome </a:t>
+              <a:t>: simple transition biases reflecting the previous move only, the previous </a:t>
             </a:r>
             <a:r>
               <a:rPr lang="en-US" i="1" dirty="0">
                 <a:latin typeface="Avenir Book" panose="02000503020000020003" pitchFamily="2" charset="0"/>
               </a:rPr>
-              <a:t>and previous transition</a:t>
+              <a:t>outcome</a:t>
             </a:r>
             <a:r>
               <a:rPr lang="en-US" dirty="0">
                 <a:latin typeface="Avenir Book" panose="02000503020000020003" pitchFamily="2" charset="0"/>
               </a:rPr>
-              <a:t>.</a:t>
+              <a:t>, or the previous outcome and the previous transition.</a:t>
             </a:r>
           </a:p>
         </p:txBody>

--- a/figures/stable_bot_overview.pptx
+++ b/figures/stable_bot_overview.pptx
@@ -419,7 +419,7 @@
           <a:p>
             <a:fld id="{0C1A3CDD-DFAE-CC43-8C26-DEC1B5C5DEF1}" type="datetimeFigureOut">
               <a:rPr lang="en-US" smtClean="0"/>
-              <a:t>7/30/23</a:t>
+              <a:t>2/8/24</a:t>
             </a:fld>
             <a:endParaRPr lang="en-US"/>
           </a:p>
@@ -589,7 +589,7 @@
           <a:p>
             <a:fld id="{0C1A3CDD-DFAE-CC43-8C26-DEC1B5C5DEF1}" type="datetimeFigureOut">
               <a:rPr lang="en-US" smtClean="0"/>
-              <a:t>7/30/23</a:t>
+              <a:t>2/8/24</a:t>
             </a:fld>
             <a:endParaRPr lang="en-US"/>
           </a:p>
@@ -769,7 +769,7 @@
           <a:p>
             <a:fld id="{0C1A3CDD-DFAE-CC43-8C26-DEC1B5C5DEF1}" type="datetimeFigureOut">
               <a:rPr lang="en-US" smtClean="0"/>
-              <a:t>7/30/23</a:t>
+              <a:t>2/8/24</a:t>
             </a:fld>
             <a:endParaRPr lang="en-US"/>
           </a:p>
@@ -939,7 +939,7 @@
           <a:p>
             <a:fld id="{0C1A3CDD-DFAE-CC43-8C26-DEC1B5C5DEF1}" type="datetimeFigureOut">
               <a:rPr lang="en-US" smtClean="0"/>
-              <a:t>7/30/23</a:t>
+              <a:t>2/8/24</a:t>
             </a:fld>
             <a:endParaRPr lang="en-US"/>
           </a:p>
@@ -1185,7 +1185,7 @@
           <a:p>
             <a:fld id="{0C1A3CDD-DFAE-CC43-8C26-DEC1B5C5DEF1}" type="datetimeFigureOut">
               <a:rPr lang="en-US" smtClean="0"/>
-              <a:t>7/30/23</a:t>
+              <a:t>2/8/24</a:t>
             </a:fld>
             <a:endParaRPr lang="en-US"/>
           </a:p>
@@ -1417,7 +1417,7 @@
           <a:p>
             <a:fld id="{0C1A3CDD-DFAE-CC43-8C26-DEC1B5C5DEF1}" type="datetimeFigureOut">
               <a:rPr lang="en-US" smtClean="0"/>
-              <a:t>7/30/23</a:t>
+              <a:t>2/8/24</a:t>
             </a:fld>
             <a:endParaRPr lang="en-US"/>
           </a:p>
@@ -1784,7 +1784,7 @@
           <a:p>
             <a:fld id="{0C1A3CDD-DFAE-CC43-8C26-DEC1B5C5DEF1}" type="datetimeFigureOut">
               <a:rPr lang="en-US" smtClean="0"/>
-              <a:t>7/30/23</a:t>
+              <a:t>2/8/24</a:t>
             </a:fld>
             <a:endParaRPr lang="en-US"/>
           </a:p>
@@ -1902,7 +1902,7 @@
           <a:p>
             <a:fld id="{0C1A3CDD-DFAE-CC43-8C26-DEC1B5C5DEF1}" type="datetimeFigureOut">
               <a:rPr lang="en-US" smtClean="0"/>
-              <a:t>7/30/23</a:t>
+              <a:t>2/8/24</a:t>
             </a:fld>
             <a:endParaRPr lang="en-US"/>
           </a:p>
@@ -1997,7 +1997,7 @@
           <a:p>
             <a:fld id="{0C1A3CDD-DFAE-CC43-8C26-DEC1B5C5DEF1}" type="datetimeFigureOut">
               <a:rPr lang="en-US" smtClean="0"/>
-              <a:t>7/30/23</a:t>
+              <a:t>2/8/24</a:t>
             </a:fld>
             <a:endParaRPr lang="en-US"/>
           </a:p>
@@ -2274,7 +2274,7 @@
           <a:p>
             <a:fld id="{0C1A3CDD-DFAE-CC43-8C26-DEC1B5C5DEF1}" type="datetimeFigureOut">
               <a:rPr lang="en-US" smtClean="0"/>
-              <a:t>7/30/23</a:t>
+              <a:t>2/8/24</a:t>
             </a:fld>
             <a:endParaRPr lang="en-US"/>
           </a:p>
@@ -2531,7 +2531,7 @@
           <a:p>
             <a:fld id="{0C1A3CDD-DFAE-CC43-8C26-DEC1B5C5DEF1}" type="datetimeFigureOut">
               <a:rPr lang="en-US" smtClean="0"/>
-              <a:t>7/30/23</a:t>
+              <a:t>2/8/24</a:t>
             </a:fld>
             <a:endParaRPr lang="en-US"/>
           </a:p>
@@ -2744,7 +2744,7 @@
           <a:p>
             <a:fld id="{0C1A3CDD-DFAE-CC43-8C26-DEC1B5C5DEF1}" type="datetimeFigureOut">
               <a:rPr lang="en-US" smtClean="0"/>
-              <a:t>7/30/23</a:t>
+              <a:t>2/8/24</a:t>
             </a:fld>
             <a:endParaRPr lang="en-US"/>
           </a:p>
@@ -4686,10 +4686,17 @@
                 </a:solidFill>
                 <a:latin typeface="Avenir Book" panose="02000503020000020003" pitchFamily="2" charset="0"/>
               </a:rPr>
-              <a:t>5. Previous outcome (W0L+T–)</a:t>
-            </a:r>
-          </a:p>
-          <a:p>
+              <a:t>5. Previous outcome (</a:t>
+            </a:r>
+            <a:r>
+              <a:rPr lang="en-US">
+                <a:solidFill>
+                  <a:srgbClr val="00B050"/>
+                </a:solidFill>
+                <a:latin typeface="Avenir Book" panose="02000503020000020003" pitchFamily="2" charset="0"/>
+              </a:rPr>
+              <a:t>WoL</a:t>
+            </a:r>
             <a:r>
               <a:rPr lang="en-US" dirty="0">
                 <a:solidFill>
@@ -4697,7 +4704,18 @@
                 </a:solidFill>
                 <a:latin typeface="Avenir Book" panose="02000503020000020003" pitchFamily="2" charset="0"/>
               </a:rPr>
-              <a:t>6. Previous outcome (W+L–T0)</a:t>
+              <a:t>+T–)</a:t>
+            </a:r>
+          </a:p>
+          <a:p>
+            <a:r>
+              <a:rPr lang="en-US" dirty="0">
+                <a:solidFill>
+                  <a:srgbClr val="00B050"/>
+                </a:solidFill>
+                <a:latin typeface="Avenir Book" panose="02000503020000020003" pitchFamily="2" charset="0"/>
+              </a:rPr>
+              <a:t>6. Previous outcome (W+L–To)</a:t>
             </a:r>
           </a:p>
           <a:p>
